--- a/Slide.pptx
+++ b/Slide.pptx
@@ -17,183 +17,93 @@
     <a:defPPr>
       <a:defRPr lang="de-DE"/>
     </a:defPPr>
-    <a:lvl1pPr marL="0" lvl="0" indent="0" algn="l" defTabSz="914400" rtl="0" eaLnBrk="1" fontAlgn="base" latinLnBrk="0" hangingPunct="1">
-      <a:lnSpc>
-        <a:spcPct val="100000"/>
-      </a:lnSpc>
-      <a:spcBef>
-        <a:spcPct val="0"/>
-      </a:spcBef>
-      <a:spcAft>
-        <a:spcPct val="0"/>
-      </a:spcAft>
-      <a:buNone/>
-      <a:defRPr b="0" i="0" u="none" kern="1200" baseline="0">
+    <a:lvl1pPr marL="0" algn="l" defTabSz="914400" rtl="0" eaLnBrk="1" latinLnBrk="0" hangingPunct="1">
+      <a:defRPr sz="1800" kern="1200">
         <a:solidFill>
           <a:schemeClr val="tx1"/>
         </a:solidFill>
-        <a:latin typeface="Calibri" pitchFamily="34" charset="0"/>
-        <a:ea typeface="Arial" panose="020B0604020202090204" pitchFamily="34" charset="0"/>
+        <a:latin typeface="+mn-lt"/>
+        <a:ea typeface="+mn-ea"/>
         <a:cs typeface="+mn-cs"/>
       </a:defRPr>
     </a:lvl1pPr>
-    <a:lvl2pPr marL="457200" lvl="1" indent="0" algn="l" defTabSz="914400" rtl="0" eaLnBrk="1" fontAlgn="base" latinLnBrk="0" hangingPunct="1">
-      <a:lnSpc>
-        <a:spcPct val="100000"/>
-      </a:lnSpc>
-      <a:spcBef>
-        <a:spcPct val="0"/>
-      </a:spcBef>
-      <a:spcAft>
-        <a:spcPct val="0"/>
-      </a:spcAft>
-      <a:buNone/>
-      <a:defRPr b="0" i="0" u="none" kern="1200" baseline="0">
+    <a:lvl2pPr marL="457200" algn="l" defTabSz="914400" rtl="0" eaLnBrk="1" latinLnBrk="0" hangingPunct="1">
+      <a:defRPr sz="1800" kern="1200">
         <a:solidFill>
           <a:schemeClr val="tx1"/>
         </a:solidFill>
-        <a:latin typeface="Calibri" pitchFamily="34" charset="0"/>
-        <a:ea typeface="Arial" panose="020B0604020202090204" pitchFamily="34" charset="0"/>
+        <a:latin typeface="+mn-lt"/>
+        <a:ea typeface="+mn-ea"/>
         <a:cs typeface="+mn-cs"/>
       </a:defRPr>
     </a:lvl2pPr>
-    <a:lvl3pPr marL="914400" lvl="2" indent="0" algn="l" defTabSz="914400" rtl="0" eaLnBrk="1" fontAlgn="base" latinLnBrk="0" hangingPunct="1">
-      <a:lnSpc>
-        <a:spcPct val="100000"/>
-      </a:lnSpc>
-      <a:spcBef>
-        <a:spcPct val="0"/>
-      </a:spcBef>
-      <a:spcAft>
-        <a:spcPct val="0"/>
-      </a:spcAft>
-      <a:buNone/>
-      <a:defRPr b="0" i="0" u="none" kern="1200" baseline="0">
+    <a:lvl3pPr marL="914400" algn="l" defTabSz="914400" rtl="0" eaLnBrk="1" latinLnBrk="0" hangingPunct="1">
+      <a:defRPr sz="1800" kern="1200">
         <a:solidFill>
           <a:schemeClr val="tx1"/>
         </a:solidFill>
-        <a:latin typeface="Calibri" pitchFamily="34" charset="0"/>
-        <a:ea typeface="Arial" panose="020B0604020202090204" pitchFamily="34" charset="0"/>
+        <a:latin typeface="+mn-lt"/>
+        <a:ea typeface="+mn-ea"/>
         <a:cs typeface="+mn-cs"/>
       </a:defRPr>
     </a:lvl3pPr>
-    <a:lvl4pPr marL="1371600" lvl="3" indent="0" algn="l" defTabSz="914400" rtl="0" eaLnBrk="1" fontAlgn="base" latinLnBrk="0" hangingPunct="1">
-      <a:lnSpc>
-        <a:spcPct val="100000"/>
-      </a:lnSpc>
-      <a:spcBef>
-        <a:spcPct val="0"/>
-      </a:spcBef>
-      <a:spcAft>
-        <a:spcPct val="0"/>
-      </a:spcAft>
-      <a:buNone/>
-      <a:defRPr b="0" i="0" u="none" kern="1200" baseline="0">
+    <a:lvl4pPr marL="1371600" algn="l" defTabSz="914400" rtl="0" eaLnBrk="1" latinLnBrk="0" hangingPunct="1">
+      <a:defRPr sz="1800" kern="1200">
         <a:solidFill>
           <a:schemeClr val="tx1"/>
         </a:solidFill>
-        <a:latin typeface="Calibri" pitchFamily="34" charset="0"/>
-        <a:ea typeface="Arial" panose="020B0604020202090204" pitchFamily="34" charset="0"/>
+        <a:latin typeface="+mn-lt"/>
+        <a:ea typeface="+mn-ea"/>
         <a:cs typeface="+mn-cs"/>
       </a:defRPr>
     </a:lvl4pPr>
-    <a:lvl5pPr marL="1828800" lvl="4" indent="0" algn="l" defTabSz="914400" rtl="0" eaLnBrk="1" fontAlgn="base" latinLnBrk="0" hangingPunct="1">
-      <a:lnSpc>
-        <a:spcPct val="100000"/>
-      </a:lnSpc>
-      <a:spcBef>
-        <a:spcPct val="0"/>
-      </a:spcBef>
-      <a:spcAft>
-        <a:spcPct val="0"/>
-      </a:spcAft>
-      <a:buNone/>
-      <a:defRPr b="0" i="0" u="none" kern="1200" baseline="0">
+    <a:lvl5pPr marL="1828800" algn="l" defTabSz="914400" rtl="0" eaLnBrk="1" latinLnBrk="0" hangingPunct="1">
+      <a:defRPr sz="1800" kern="1200">
         <a:solidFill>
           <a:schemeClr val="tx1"/>
         </a:solidFill>
-        <a:latin typeface="Calibri" pitchFamily="34" charset="0"/>
-        <a:ea typeface="Arial" panose="020B0604020202090204" pitchFamily="34" charset="0"/>
+        <a:latin typeface="+mn-lt"/>
+        <a:ea typeface="+mn-ea"/>
         <a:cs typeface="+mn-cs"/>
       </a:defRPr>
     </a:lvl5pPr>
-    <a:lvl6pPr marL="2286000" lvl="5" indent="0" algn="l" defTabSz="914400" rtl="0" eaLnBrk="1" fontAlgn="base" latinLnBrk="0" hangingPunct="1">
-      <a:lnSpc>
-        <a:spcPct val="100000"/>
-      </a:lnSpc>
-      <a:spcBef>
-        <a:spcPct val="0"/>
-      </a:spcBef>
-      <a:spcAft>
-        <a:spcPct val="0"/>
-      </a:spcAft>
-      <a:buNone/>
-      <a:defRPr b="0" i="0" u="none" kern="1200" baseline="0">
+    <a:lvl6pPr marL="2286000" algn="l" defTabSz="914400" rtl="0" eaLnBrk="1" latinLnBrk="0" hangingPunct="1">
+      <a:defRPr sz="1800" kern="1200">
         <a:solidFill>
           <a:schemeClr val="tx1"/>
         </a:solidFill>
-        <a:latin typeface="Calibri" pitchFamily="34" charset="0"/>
-        <a:ea typeface="Arial" panose="020B0604020202090204" pitchFamily="34" charset="0"/>
+        <a:latin typeface="+mn-lt"/>
+        <a:ea typeface="+mn-ea"/>
         <a:cs typeface="+mn-cs"/>
       </a:defRPr>
     </a:lvl6pPr>
-    <a:lvl7pPr marL="2743200" lvl="6" indent="0" algn="l" defTabSz="914400" rtl="0" eaLnBrk="1" fontAlgn="base" latinLnBrk="0" hangingPunct="1">
-      <a:lnSpc>
-        <a:spcPct val="100000"/>
-      </a:lnSpc>
-      <a:spcBef>
-        <a:spcPct val="0"/>
-      </a:spcBef>
-      <a:spcAft>
-        <a:spcPct val="0"/>
-      </a:spcAft>
-      <a:buNone/>
-      <a:defRPr b="0" i="0" u="none" kern="1200" baseline="0">
+    <a:lvl7pPr marL="2743200" algn="l" defTabSz="914400" rtl="0" eaLnBrk="1" latinLnBrk="0" hangingPunct="1">
+      <a:defRPr sz="1800" kern="1200">
         <a:solidFill>
           <a:schemeClr val="tx1"/>
         </a:solidFill>
-        <a:latin typeface="Calibri" pitchFamily="34" charset="0"/>
-        <a:ea typeface="Arial" panose="020B0604020202090204" pitchFamily="34" charset="0"/>
+        <a:latin typeface="+mn-lt"/>
+        <a:ea typeface="+mn-ea"/>
         <a:cs typeface="+mn-cs"/>
       </a:defRPr>
     </a:lvl7pPr>
-    <a:lvl8pPr marL="3200400" lvl="7" indent="0" algn="l" defTabSz="914400" rtl="0" eaLnBrk="1" fontAlgn="base" latinLnBrk="0" hangingPunct="1">
-      <a:lnSpc>
-        <a:spcPct val="100000"/>
-      </a:lnSpc>
-      <a:spcBef>
-        <a:spcPct val="0"/>
-      </a:spcBef>
-      <a:spcAft>
-        <a:spcPct val="0"/>
-      </a:spcAft>
-      <a:buNone/>
-      <a:defRPr b="0" i="0" u="none" kern="1200" baseline="0">
+    <a:lvl8pPr marL="3200400" algn="l" defTabSz="914400" rtl="0" eaLnBrk="1" latinLnBrk="0" hangingPunct="1">
+      <a:defRPr sz="1800" kern="1200">
         <a:solidFill>
           <a:schemeClr val="tx1"/>
         </a:solidFill>
-        <a:latin typeface="Calibri" pitchFamily="34" charset="0"/>
-        <a:ea typeface="Arial" panose="020B0604020202090204" pitchFamily="34" charset="0"/>
+        <a:latin typeface="+mn-lt"/>
+        <a:ea typeface="+mn-ea"/>
         <a:cs typeface="+mn-cs"/>
       </a:defRPr>
     </a:lvl8pPr>
-    <a:lvl9pPr marL="3657600" lvl="8" indent="0" algn="l" defTabSz="914400" rtl="0" eaLnBrk="1" fontAlgn="base" latinLnBrk="0" hangingPunct="1">
-      <a:lnSpc>
-        <a:spcPct val="100000"/>
-      </a:lnSpc>
-      <a:spcBef>
-        <a:spcPct val="0"/>
-      </a:spcBef>
-      <a:spcAft>
-        <a:spcPct val="0"/>
-      </a:spcAft>
-      <a:buNone/>
-      <a:defRPr b="0" i="0" u="none" kern="1200" baseline="0">
+    <a:lvl9pPr marL="3657600" algn="l" defTabSz="914400" rtl="0" eaLnBrk="1" latinLnBrk="0" hangingPunct="1">
+      <a:defRPr sz="1800" kern="1200">
         <a:solidFill>
           <a:schemeClr val="tx1"/>
         </a:solidFill>
-        <a:latin typeface="Calibri" pitchFamily="34" charset="0"/>
-        <a:ea typeface="Arial" panose="020B0604020202090204" pitchFamily="34" charset="0"/>
+        <a:latin typeface="+mn-lt"/>
+        <a:ea typeface="+mn-ea"/>
         <a:cs typeface="+mn-cs"/>
       </a:defRPr>
     </a:lvl9pPr>
@@ -215,11 +125,17 @@
         <p:cNvGrpSpPr/>
         <p:nvPr/>
       </p:nvGrpSpPr>
-      <p:grpSpPr/>
+      <p:grpSpPr>
+        <a:xfrm>
+          <a:off x="0" y="0"/>
+          <a:ext cx="0" cy="0"/>
+          <a:chOff x="0" y="0"/>
+          <a:chExt cx="0" cy="0"/>
+        </a:xfrm>
+      </p:grpSpPr>
     </p:spTree>
   </p:cSld>
   <p:clrMap bg1="lt1" tx1="dk1" bg2="lt2" tx2="dk2" accent1="accent1" accent2="accent2" accent3="accent3" accent4="accent4" accent5="accent5" accent6="accent6" hlink="hlink" folHlink="folHlink"/>
-  <p:hf sldNum="0" hdr="0" ftr="0" dt="0"/>
   <p:notesStyle>
     <a:lvl1pPr marL="0" algn="l" defTabSz="914400" rtl="0" eaLnBrk="1" latinLnBrk="0" hangingPunct="1">
       <a:defRPr sz="1200" kern="1200">
@@ -324,10 +240,17 @@
         <p:cNvGrpSpPr/>
         <p:nvPr/>
       </p:nvGrpSpPr>
-      <p:grpSpPr/>
-      <p:sp>
-        <p:nvSpPr>
-          <p:cNvPr id="3074" name="Notes Placeholder"/>
+      <p:grpSpPr>
+        <a:xfrm>
+          <a:off x="0" y="0"/>
+          <a:ext cx="0" cy="0"/>
+          <a:chOff x="0" y="0"/>
+          <a:chExt cx="0" cy="0"/>
+        </a:xfrm>
+      </p:grpSpPr>
+      <p:sp>
+        <p:nvSpPr>
+          <p:cNvPr id="2" name="Notes Placeholder"/>
           <p:cNvSpPr>
             <a:spLocks noGrp="1"/>
           </p:cNvSpPr>
@@ -335,29 +258,13 @@
             <p:ph type="body" idx="1"/>
           </p:nvPr>
         </p:nvSpPr>
-        <p:spPr>
-          <a:xfrm>
-            <a:off x="0" y="0"/>
-            <a:ext cx="0" cy="0"/>
-          </a:xfrm>
-          <a:prstGeom prst="rect">
-            <a:avLst/>
-          </a:prstGeom>
-          <a:noFill/>
-          <a:ln w="9525">
-            <a:noFill/>
-          </a:ln>
-        </p:spPr>
-        <p:txBody>
-          <a:bodyPr/>
-          <a:p>
-            <a:pPr lvl="0">
-              <a:spcBef>
-                <a:spcPct val="0"/>
-              </a:spcBef>
-            </a:pPr>
-            <a:endParaRPr lang="zh-CN" altLang="x-none" dirty="0"/>
-          </a:p>
+        <p:spPr/>
+        <p:txBody>
+          <a:bodyPr>
+            <a:normAutofit/>
+          </a:bodyPr>
+          <a:lstStyle/>
+          <a:p/>
         </p:txBody>
       </p:sp>
     </p:spTree>
@@ -377,10 +284,17 @@
         <p:cNvGrpSpPr/>
         <p:nvPr/>
       </p:nvGrpSpPr>
-      <p:grpSpPr/>
-      <p:sp>
-        <p:nvSpPr>
-          <p:cNvPr id="4098" name="Notes Placeholder"/>
+      <p:grpSpPr>
+        <a:xfrm>
+          <a:off x="0" y="0"/>
+          <a:ext cx="0" cy="0"/>
+          <a:chOff x="0" y="0"/>
+          <a:chExt cx="0" cy="0"/>
+        </a:xfrm>
+      </p:grpSpPr>
+      <p:sp>
+        <p:nvSpPr>
+          <p:cNvPr id="2" name="Notes Placeholder"/>
           <p:cNvSpPr>
             <a:spLocks noGrp="1"/>
           </p:cNvSpPr>
@@ -388,29 +302,13 @@
             <p:ph type="body" idx="1"/>
           </p:nvPr>
         </p:nvSpPr>
-        <p:spPr>
-          <a:xfrm>
-            <a:off x="0" y="0"/>
-            <a:ext cx="0" cy="0"/>
-          </a:xfrm>
-          <a:prstGeom prst="rect">
-            <a:avLst/>
-          </a:prstGeom>
-          <a:noFill/>
-          <a:ln w="9525">
-            <a:noFill/>
-          </a:ln>
-        </p:spPr>
-        <p:txBody>
-          <a:bodyPr/>
-          <a:p>
-            <a:pPr lvl="0">
-              <a:spcBef>
-                <a:spcPct val="0"/>
-              </a:spcBef>
-            </a:pPr>
-            <a:endParaRPr lang="zh-CN" altLang="x-none" dirty="0"/>
-          </a:p>
+        <p:spPr/>
+        <p:txBody>
+          <a:bodyPr>
+            <a:normAutofit/>
+          </a:bodyPr>
+          <a:lstStyle/>
+          <a:p/>
         </p:txBody>
       </p:sp>
     </p:spTree>
@@ -502,127 +400,92 @@
       </p:sp>
       <p:sp>
         <p:nvSpPr>
-          <p:cNvPr id="4" name="Footer Placeholder 3"/>
-          <p:cNvSpPr>
-            <a:spLocks noGrp="1"/>
-          </p:cNvSpPr>
-          <p:nvPr>
-            <p:ph type="ftr" sz="quarter" idx="10"/>
+          <p:cNvPr id="4" name="Holder 4"/>
+          <p:cNvSpPr>
+            <a:spLocks noGrp="1"/>
+          </p:cNvSpPr>
+          <p:nvPr>
+            <p:ph type="ftr" sz="quarter" idx="5"/>
           </p:nvPr>
         </p:nvSpPr>
         <p:spPr/>
         <p:txBody>
-          <a:bodyPr/>
+          <a:bodyPr lIns="0" tIns="0" rIns="0" bIns="0"/>
+          <a:lstStyle>
+            <a:lvl1pPr algn="ctr">
+              <a:defRPr>
+                <a:solidFill>
+                  <a:schemeClr val="tx1">
+                    <a:tint val="75000"/>
+                  </a:schemeClr>
+                </a:solidFill>
+              </a:defRPr>
+            </a:lvl1pPr>
+          </a:lstStyle>
+          <a:p/>
+        </p:txBody>
+      </p:sp>
+      <p:sp>
+        <p:nvSpPr>
+          <p:cNvPr id="5" name="Holder 5"/>
+          <p:cNvSpPr>
+            <a:spLocks noGrp="1"/>
+          </p:cNvSpPr>
+          <p:nvPr>
+            <p:ph type="dt" sz="half" idx="6"/>
+          </p:nvPr>
+        </p:nvSpPr>
+        <p:spPr/>
+        <p:txBody>
+          <a:bodyPr lIns="0" tIns="0" rIns="0" bIns="0"/>
+          <a:lstStyle>
+            <a:lvl1pPr algn="l">
+              <a:defRPr>
+                <a:solidFill>
+                  <a:schemeClr val="tx1">
+                    <a:tint val="75000"/>
+                  </a:schemeClr>
+                </a:solidFill>
+              </a:defRPr>
+            </a:lvl1pPr>
+          </a:lstStyle>
           <a:p>
-            <a:pPr marL="0" marR="0" lvl="0" indent="0" algn="ctr" defTabSz="914400" rtl="0" eaLnBrk="1" fontAlgn="auto" latinLnBrk="0" hangingPunct="1">
-              <a:lnSpc>
-                <a:spcPct val="100000"/>
-              </a:lnSpc>
-              <a:spcBef>
-                <a:spcPts val="0"/>
-              </a:spcBef>
-              <a:spcAft>
-                <a:spcPts val="0"/>
-              </a:spcAft>
-              <a:buClrTx/>
-              <a:buSzTx/>
-              <a:buFontTx/>
-              <a:buNone/>
-              <a:defRPr/>
-            </a:pPr>
-            <a:endParaRPr kumimoji="0" sz="1800" b="0" i="0" u="none" strike="noStrike" kern="1200" cap="none" spc="0" normalizeH="0" baseline="0" noProof="0">
-              <a:ln>
-                <a:noFill/>
-              </a:ln>
-              <a:solidFill>
-                <a:schemeClr val="tx1">
-                  <a:tint val="75000"/>
-                </a:schemeClr>
-              </a:solidFill>
-              <a:effectLst/>
-              <a:uLnTx/>
-              <a:uFillTx/>
-              <a:latin typeface="+mn-lt"/>
-              <a:ea typeface="+mn-ea"/>
-              <a:cs typeface="+mn-cs"/>
-            </a:endParaRPr>
+            <a:fld id="{1D8BD707-D9CF-40AE-B4C6-C98DA3205C09}" type="datetimeFigureOut">
+              <a:rPr lang="en-US"/>
+            </a:fld>
+            <a:endParaRPr lang="en-US"/>
           </a:p>
         </p:txBody>
       </p:sp>
       <p:sp>
         <p:nvSpPr>
-          <p:cNvPr id="5" name="Date Placeholder 4"/>
-          <p:cNvSpPr>
-            <a:spLocks noGrp="1"/>
-          </p:cNvSpPr>
-          <p:nvPr>
-            <p:ph type="dt" sz="half" idx="11"/>
+          <p:cNvPr id="6" name="Holder 6"/>
+          <p:cNvSpPr>
+            <a:spLocks noGrp="1"/>
+          </p:cNvSpPr>
+          <p:nvPr>
+            <p:ph type="sldNum" sz="quarter" idx="7"/>
           </p:nvPr>
         </p:nvSpPr>
         <p:spPr/>
         <p:txBody>
-          <a:bodyPr/>
+          <a:bodyPr lIns="0" tIns="0" rIns="0" bIns="0"/>
+          <a:lstStyle>
+            <a:lvl1pPr algn="r">
+              <a:defRPr>
+                <a:solidFill>
+                  <a:schemeClr val="tx1">
+                    <a:tint val="75000"/>
+                  </a:schemeClr>
+                </a:solidFill>
+              </a:defRPr>
+            </a:lvl1pPr>
+          </a:lstStyle>
           <a:p>
-            <a:pPr marL="0" marR="0" lvl="0" indent="0" algn="l" defTabSz="914400" rtl="0" eaLnBrk="1" fontAlgn="auto" latinLnBrk="0" hangingPunct="1">
-              <a:lnSpc>
-                <a:spcPct val="100000"/>
-              </a:lnSpc>
-              <a:spcBef>
-                <a:spcPts val="0"/>
-              </a:spcBef>
-              <a:spcAft>
-                <a:spcPts val="0"/>
-              </a:spcAft>
-              <a:buClrTx/>
-              <a:buSzTx/>
-              <a:buFontTx/>
-              <a:buNone/>
-              <a:defRPr/>
-            </a:pPr>
-            <a:endParaRPr kumimoji="0" lang="en-US" sz="1800" b="0" i="0" u="none" strike="noStrike" kern="1200" cap="none" spc="0" normalizeH="0" baseline="0" noProof="0">
-              <a:ln>
-                <a:noFill/>
-              </a:ln>
-              <a:solidFill>
-                <a:schemeClr val="tx1">
-                  <a:tint val="75000"/>
-                </a:schemeClr>
-              </a:solidFill>
-              <a:effectLst/>
-              <a:uLnTx/>
-              <a:uFillTx/>
-              <a:latin typeface="+mn-lt"/>
-              <a:ea typeface="+mn-ea"/>
-              <a:cs typeface="+mn-cs"/>
-            </a:endParaRPr>
-          </a:p>
-        </p:txBody>
-      </p:sp>
-      <p:sp>
-        <p:nvSpPr>
-          <p:cNvPr id="6" name="Slide Number Placeholder 5"/>
-          <p:cNvSpPr>
-            <a:spLocks noGrp="1"/>
-          </p:cNvSpPr>
-          <p:nvPr>
-            <p:ph type="sldNum" sz="quarter" idx="12"/>
-          </p:nvPr>
-        </p:nvSpPr>
-        <p:spPr/>
-        <p:txBody>
-          <a:bodyPr/>
-          <a:p>
-            <a:pPr lvl="0"/>
-            <a:fld id="{9A0DB2DC-4C9A-4742-B13C-FB6460FD3503}" type="slidenum">
-              <a:rPr lang="zh-CN" altLang="x-none" dirty="0">
-                <a:latin typeface="Calibri" pitchFamily="34" charset="0"/>
-                <a:ea typeface="Arial" panose="020B0604020202090204" pitchFamily="34" charset="0"/>
-              </a:rPr>
+            <a:fld id="{B6F15528-21DE-4FAA-801E-634DDDAF4B2B}" type="slidenum">
+              <a:rPr/>
             </a:fld>
-            <a:endParaRPr lang="zh-CN" altLang="x-none" dirty="0">
-              <a:latin typeface="Calibri" pitchFamily="34" charset="0"/>
-              <a:ea typeface="Arial" panose="020B0604020202090204" pitchFamily="34" charset="0"/>
-            </a:endParaRPr>
+            <a:endParaRPr/>
           </a:p>
         </p:txBody>
       </p:sp>
@@ -695,127 +558,92 @@
       </p:sp>
       <p:sp>
         <p:nvSpPr>
-          <p:cNvPr id="4" name="Footer Placeholder 3"/>
-          <p:cNvSpPr>
-            <a:spLocks noGrp="1"/>
-          </p:cNvSpPr>
-          <p:nvPr>
-            <p:ph type="ftr" sz="quarter" idx="10"/>
+          <p:cNvPr id="4" name="Holder 4"/>
+          <p:cNvSpPr>
+            <a:spLocks noGrp="1"/>
+          </p:cNvSpPr>
+          <p:nvPr>
+            <p:ph type="ftr" sz="quarter" idx="5"/>
           </p:nvPr>
         </p:nvSpPr>
         <p:spPr/>
         <p:txBody>
-          <a:bodyPr/>
+          <a:bodyPr lIns="0" tIns="0" rIns="0" bIns="0"/>
+          <a:lstStyle>
+            <a:lvl1pPr algn="ctr">
+              <a:defRPr>
+                <a:solidFill>
+                  <a:schemeClr val="tx1">
+                    <a:tint val="75000"/>
+                  </a:schemeClr>
+                </a:solidFill>
+              </a:defRPr>
+            </a:lvl1pPr>
+          </a:lstStyle>
+          <a:p/>
+        </p:txBody>
+      </p:sp>
+      <p:sp>
+        <p:nvSpPr>
+          <p:cNvPr id="5" name="Holder 5"/>
+          <p:cNvSpPr>
+            <a:spLocks noGrp="1"/>
+          </p:cNvSpPr>
+          <p:nvPr>
+            <p:ph type="dt" sz="half" idx="6"/>
+          </p:nvPr>
+        </p:nvSpPr>
+        <p:spPr/>
+        <p:txBody>
+          <a:bodyPr lIns="0" tIns="0" rIns="0" bIns="0"/>
+          <a:lstStyle>
+            <a:lvl1pPr algn="l">
+              <a:defRPr>
+                <a:solidFill>
+                  <a:schemeClr val="tx1">
+                    <a:tint val="75000"/>
+                  </a:schemeClr>
+                </a:solidFill>
+              </a:defRPr>
+            </a:lvl1pPr>
+          </a:lstStyle>
           <a:p>
-            <a:pPr marL="0" marR="0" lvl="0" indent="0" algn="ctr" defTabSz="914400" rtl="0" eaLnBrk="1" fontAlgn="auto" latinLnBrk="0" hangingPunct="1">
-              <a:lnSpc>
-                <a:spcPct val="100000"/>
-              </a:lnSpc>
-              <a:spcBef>
-                <a:spcPts val="0"/>
-              </a:spcBef>
-              <a:spcAft>
-                <a:spcPts val="0"/>
-              </a:spcAft>
-              <a:buClrTx/>
-              <a:buSzTx/>
-              <a:buFontTx/>
-              <a:buNone/>
-              <a:defRPr/>
-            </a:pPr>
-            <a:endParaRPr kumimoji="0" sz="1800" b="0" i="0" u="none" strike="noStrike" kern="1200" cap="none" spc="0" normalizeH="0" baseline="0" noProof="0">
-              <a:ln>
-                <a:noFill/>
-              </a:ln>
-              <a:solidFill>
-                <a:schemeClr val="tx1">
-                  <a:tint val="75000"/>
-                </a:schemeClr>
-              </a:solidFill>
-              <a:effectLst/>
-              <a:uLnTx/>
-              <a:uFillTx/>
-              <a:latin typeface="+mn-lt"/>
-              <a:ea typeface="+mn-ea"/>
-              <a:cs typeface="+mn-cs"/>
-            </a:endParaRPr>
+            <a:fld id="{1D8BD707-D9CF-40AE-B4C6-C98DA3205C09}" type="datetimeFigureOut">
+              <a:rPr lang="en-US"/>
+            </a:fld>
+            <a:endParaRPr lang="en-US"/>
           </a:p>
         </p:txBody>
       </p:sp>
       <p:sp>
         <p:nvSpPr>
-          <p:cNvPr id="5" name="Date Placeholder 4"/>
-          <p:cNvSpPr>
-            <a:spLocks noGrp="1"/>
-          </p:cNvSpPr>
-          <p:nvPr>
-            <p:ph type="dt" sz="half" idx="11"/>
+          <p:cNvPr id="6" name="Holder 6"/>
+          <p:cNvSpPr>
+            <a:spLocks noGrp="1"/>
+          </p:cNvSpPr>
+          <p:nvPr>
+            <p:ph type="sldNum" sz="quarter" idx="7"/>
           </p:nvPr>
         </p:nvSpPr>
         <p:spPr/>
         <p:txBody>
-          <a:bodyPr/>
+          <a:bodyPr lIns="0" tIns="0" rIns="0" bIns="0"/>
+          <a:lstStyle>
+            <a:lvl1pPr algn="r">
+              <a:defRPr>
+                <a:solidFill>
+                  <a:schemeClr val="tx1">
+                    <a:tint val="75000"/>
+                  </a:schemeClr>
+                </a:solidFill>
+              </a:defRPr>
+            </a:lvl1pPr>
+          </a:lstStyle>
           <a:p>
-            <a:pPr marL="0" marR="0" lvl="0" indent="0" algn="l" defTabSz="914400" rtl="0" eaLnBrk="1" fontAlgn="auto" latinLnBrk="0" hangingPunct="1">
-              <a:lnSpc>
-                <a:spcPct val="100000"/>
-              </a:lnSpc>
-              <a:spcBef>
-                <a:spcPts val="0"/>
-              </a:spcBef>
-              <a:spcAft>
-                <a:spcPts val="0"/>
-              </a:spcAft>
-              <a:buClrTx/>
-              <a:buSzTx/>
-              <a:buFontTx/>
-              <a:buNone/>
-              <a:defRPr/>
-            </a:pPr>
-            <a:endParaRPr kumimoji="0" lang="en-US" sz="1800" b="0" i="0" u="none" strike="noStrike" kern="1200" cap="none" spc="0" normalizeH="0" baseline="0" noProof="0">
-              <a:ln>
-                <a:noFill/>
-              </a:ln>
-              <a:solidFill>
-                <a:schemeClr val="tx1">
-                  <a:tint val="75000"/>
-                </a:schemeClr>
-              </a:solidFill>
-              <a:effectLst/>
-              <a:uLnTx/>
-              <a:uFillTx/>
-              <a:latin typeface="+mn-lt"/>
-              <a:ea typeface="+mn-ea"/>
-              <a:cs typeface="+mn-cs"/>
-            </a:endParaRPr>
-          </a:p>
-        </p:txBody>
-      </p:sp>
-      <p:sp>
-        <p:nvSpPr>
-          <p:cNvPr id="6" name="Slide Number Placeholder 5"/>
-          <p:cNvSpPr>
-            <a:spLocks noGrp="1"/>
-          </p:cNvSpPr>
-          <p:nvPr>
-            <p:ph type="sldNum" sz="quarter" idx="12"/>
-          </p:nvPr>
-        </p:nvSpPr>
-        <p:spPr/>
-        <p:txBody>
-          <a:bodyPr/>
-          <a:p>
-            <a:pPr lvl="0"/>
-            <a:fld id="{9A0DB2DC-4C9A-4742-B13C-FB6460FD3503}" type="slidenum">
-              <a:rPr lang="zh-CN" altLang="x-none" dirty="0">
-                <a:latin typeface="Calibri" pitchFamily="34" charset="0"/>
-                <a:ea typeface="Arial" panose="020B0604020202090204" pitchFamily="34" charset="0"/>
-              </a:rPr>
+            <a:fld id="{B6F15528-21DE-4FAA-801E-634DDDAF4B2B}" type="slidenum">
+              <a:rPr/>
             </a:fld>
-            <a:endParaRPr lang="zh-CN" altLang="x-none" dirty="0">
-              <a:latin typeface="Calibri" pitchFamily="34" charset="0"/>
-              <a:ea typeface="Arial" panose="020B0604020202090204" pitchFamily="34" charset="0"/>
-            </a:endParaRPr>
+            <a:endParaRPr/>
           </a:p>
         </p:txBody>
       </p:sp>
@@ -929,127 +757,92 @@
       </p:sp>
       <p:sp>
         <p:nvSpPr>
-          <p:cNvPr id="5" name="Footer Placeholder 4"/>
-          <p:cNvSpPr>
-            <a:spLocks noGrp="1"/>
-          </p:cNvSpPr>
-          <p:nvPr>
-            <p:ph type="ftr" sz="quarter" idx="10"/>
+          <p:cNvPr id="5" name="Holder 5"/>
+          <p:cNvSpPr>
+            <a:spLocks noGrp="1"/>
+          </p:cNvSpPr>
+          <p:nvPr>
+            <p:ph type="ftr" sz="quarter" idx="5"/>
           </p:nvPr>
         </p:nvSpPr>
         <p:spPr/>
         <p:txBody>
-          <a:bodyPr/>
+          <a:bodyPr lIns="0" tIns="0" rIns="0" bIns="0"/>
+          <a:lstStyle>
+            <a:lvl1pPr algn="ctr">
+              <a:defRPr>
+                <a:solidFill>
+                  <a:schemeClr val="tx1">
+                    <a:tint val="75000"/>
+                  </a:schemeClr>
+                </a:solidFill>
+              </a:defRPr>
+            </a:lvl1pPr>
+          </a:lstStyle>
+          <a:p/>
+        </p:txBody>
+      </p:sp>
+      <p:sp>
+        <p:nvSpPr>
+          <p:cNvPr id="6" name="Holder 6"/>
+          <p:cNvSpPr>
+            <a:spLocks noGrp="1"/>
+          </p:cNvSpPr>
+          <p:nvPr>
+            <p:ph type="dt" sz="half" idx="6"/>
+          </p:nvPr>
+        </p:nvSpPr>
+        <p:spPr/>
+        <p:txBody>
+          <a:bodyPr lIns="0" tIns="0" rIns="0" bIns="0"/>
+          <a:lstStyle>
+            <a:lvl1pPr algn="l">
+              <a:defRPr>
+                <a:solidFill>
+                  <a:schemeClr val="tx1">
+                    <a:tint val="75000"/>
+                  </a:schemeClr>
+                </a:solidFill>
+              </a:defRPr>
+            </a:lvl1pPr>
+          </a:lstStyle>
           <a:p>
-            <a:pPr marL="0" marR="0" lvl="0" indent="0" algn="ctr" defTabSz="914400" rtl="0" eaLnBrk="1" fontAlgn="auto" latinLnBrk="0" hangingPunct="1">
-              <a:lnSpc>
-                <a:spcPct val="100000"/>
-              </a:lnSpc>
-              <a:spcBef>
-                <a:spcPts val="0"/>
-              </a:spcBef>
-              <a:spcAft>
-                <a:spcPts val="0"/>
-              </a:spcAft>
-              <a:buClrTx/>
-              <a:buSzTx/>
-              <a:buFontTx/>
-              <a:buNone/>
-              <a:defRPr/>
-            </a:pPr>
-            <a:endParaRPr kumimoji="0" sz="1800" b="0" i="0" u="none" strike="noStrike" kern="1200" cap="none" spc="0" normalizeH="0" baseline="0" noProof="0">
-              <a:ln>
-                <a:noFill/>
-              </a:ln>
-              <a:solidFill>
-                <a:schemeClr val="tx1">
-                  <a:tint val="75000"/>
-                </a:schemeClr>
-              </a:solidFill>
-              <a:effectLst/>
-              <a:uLnTx/>
-              <a:uFillTx/>
-              <a:latin typeface="+mn-lt"/>
-              <a:ea typeface="+mn-ea"/>
-              <a:cs typeface="+mn-cs"/>
-            </a:endParaRPr>
+            <a:fld id="{1D8BD707-D9CF-40AE-B4C6-C98DA3205C09}" type="datetimeFigureOut">
+              <a:rPr lang="en-US"/>
+            </a:fld>
+            <a:endParaRPr lang="en-US"/>
           </a:p>
         </p:txBody>
       </p:sp>
       <p:sp>
         <p:nvSpPr>
-          <p:cNvPr id="6" name="Date Placeholder 5"/>
-          <p:cNvSpPr>
-            <a:spLocks noGrp="1"/>
-          </p:cNvSpPr>
-          <p:nvPr>
-            <p:ph type="dt" sz="half" idx="11"/>
+          <p:cNvPr id="7" name="Holder 7"/>
+          <p:cNvSpPr>
+            <a:spLocks noGrp="1"/>
+          </p:cNvSpPr>
+          <p:nvPr>
+            <p:ph type="sldNum" sz="quarter" idx="7"/>
           </p:nvPr>
         </p:nvSpPr>
         <p:spPr/>
         <p:txBody>
-          <a:bodyPr/>
+          <a:bodyPr lIns="0" tIns="0" rIns="0" bIns="0"/>
+          <a:lstStyle>
+            <a:lvl1pPr algn="r">
+              <a:defRPr>
+                <a:solidFill>
+                  <a:schemeClr val="tx1">
+                    <a:tint val="75000"/>
+                  </a:schemeClr>
+                </a:solidFill>
+              </a:defRPr>
+            </a:lvl1pPr>
+          </a:lstStyle>
           <a:p>
-            <a:pPr marL="0" marR="0" lvl="0" indent="0" algn="l" defTabSz="914400" rtl="0" eaLnBrk="1" fontAlgn="auto" latinLnBrk="0" hangingPunct="1">
-              <a:lnSpc>
-                <a:spcPct val="100000"/>
-              </a:lnSpc>
-              <a:spcBef>
-                <a:spcPts val="0"/>
-              </a:spcBef>
-              <a:spcAft>
-                <a:spcPts val="0"/>
-              </a:spcAft>
-              <a:buClrTx/>
-              <a:buSzTx/>
-              <a:buFontTx/>
-              <a:buNone/>
-              <a:defRPr/>
-            </a:pPr>
-            <a:endParaRPr kumimoji="0" lang="en-US" sz="1800" b="0" i="0" u="none" strike="noStrike" kern="1200" cap="none" spc="0" normalizeH="0" baseline="0" noProof="0">
-              <a:ln>
-                <a:noFill/>
-              </a:ln>
-              <a:solidFill>
-                <a:schemeClr val="tx1">
-                  <a:tint val="75000"/>
-                </a:schemeClr>
-              </a:solidFill>
-              <a:effectLst/>
-              <a:uLnTx/>
-              <a:uFillTx/>
-              <a:latin typeface="+mn-lt"/>
-              <a:ea typeface="+mn-ea"/>
-              <a:cs typeface="+mn-cs"/>
-            </a:endParaRPr>
-          </a:p>
-        </p:txBody>
-      </p:sp>
-      <p:sp>
-        <p:nvSpPr>
-          <p:cNvPr id="7" name="Slide Number Placeholder 6"/>
-          <p:cNvSpPr>
-            <a:spLocks noGrp="1"/>
-          </p:cNvSpPr>
-          <p:nvPr>
-            <p:ph type="sldNum" sz="quarter" idx="12"/>
-          </p:nvPr>
-        </p:nvSpPr>
-        <p:spPr/>
-        <p:txBody>
-          <a:bodyPr/>
-          <a:p>
-            <a:pPr lvl="0"/>
-            <a:fld id="{9A0DB2DC-4C9A-4742-B13C-FB6460FD3503}" type="slidenum">
-              <a:rPr lang="zh-CN" altLang="x-none" dirty="0">
-                <a:latin typeface="Calibri" pitchFamily="34" charset="0"/>
-                <a:ea typeface="Arial" panose="020B0604020202090204" pitchFamily="34" charset="0"/>
-              </a:rPr>
+            <a:fld id="{B6F15528-21DE-4FAA-801E-634DDDAF4B2B}" type="slidenum">
+              <a:rPr/>
             </a:fld>
-            <a:endParaRPr lang="zh-CN" altLang="x-none" dirty="0">
-              <a:latin typeface="Calibri" pitchFamily="34" charset="0"/>
-              <a:ea typeface="Arial" panose="020B0604020202090204" pitchFamily="34" charset="0"/>
-            </a:endParaRPr>
+            <a:endParaRPr/>
           </a:p>
         </p:txBody>
       </p:sp>
@@ -1101,127 +894,92 @@
       </p:sp>
       <p:sp>
         <p:nvSpPr>
-          <p:cNvPr id="3" name="Footer Placeholder 2"/>
-          <p:cNvSpPr>
-            <a:spLocks noGrp="1"/>
-          </p:cNvSpPr>
-          <p:nvPr>
-            <p:ph type="ftr" sz="quarter" idx="10"/>
+          <p:cNvPr id="3" name="Holder 3"/>
+          <p:cNvSpPr>
+            <a:spLocks noGrp="1"/>
+          </p:cNvSpPr>
+          <p:nvPr>
+            <p:ph type="ftr" sz="quarter" idx="5"/>
           </p:nvPr>
         </p:nvSpPr>
         <p:spPr/>
         <p:txBody>
-          <a:bodyPr/>
+          <a:bodyPr lIns="0" tIns="0" rIns="0" bIns="0"/>
+          <a:lstStyle>
+            <a:lvl1pPr algn="ctr">
+              <a:defRPr>
+                <a:solidFill>
+                  <a:schemeClr val="tx1">
+                    <a:tint val="75000"/>
+                  </a:schemeClr>
+                </a:solidFill>
+              </a:defRPr>
+            </a:lvl1pPr>
+          </a:lstStyle>
+          <a:p/>
+        </p:txBody>
+      </p:sp>
+      <p:sp>
+        <p:nvSpPr>
+          <p:cNvPr id="4" name="Holder 4"/>
+          <p:cNvSpPr>
+            <a:spLocks noGrp="1"/>
+          </p:cNvSpPr>
+          <p:nvPr>
+            <p:ph type="dt" sz="half" idx="6"/>
+          </p:nvPr>
+        </p:nvSpPr>
+        <p:spPr/>
+        <p:txBody>
+          <a:bodyPr lIns="0" tIns="0" rIns="0" bIns="0"/>
+          <a:lstStyle>
+            <a:lvl1pPr algn="l">
+              <a:defRPr>
+                <a:solidFill>
+                  <a:schemeClr val="tx1">
+                    <a:tint val="75000"/>
+                  </a:schemeClr>
+                </a:solidFill>
+              </a:defRPr>
+            </a:lvl1pPr>
+          </a:lstStyle>
           <a:p>
-            <a:pPr marL="0" marR="0" lvl="0" indent="0" algn="ctr" defTabSz="914400" rtl="0" eaLnBrk="1" fontAlgn="auto" latinLnBrk="0" hangingPunct="1">
-              <a:lnSpc>
-                <a:spcPct val="100000"/>
-              </a:lnSpc>
-              <a:spcBef>
-                <a:spcPts val="0"/>
-              </a:spcBef>
-              <a:spcAft>
-                <a:spcPts val="0"/>
-              </a:spcAft>
-              <a:buClrTx/>
-              <a:buSzTx/>
-              <a:buFontTx/>
-              <a:buNone/>
-              <a:defRPr/>
-            </a:pPr>
-            <a:endParaRPr kumimoji="0" sz="1800" b="0" i="0" u="none" strike="noStrike" kern="1200" cap="none" spc="0" normalizeH="0" baseline="0" noProof="0">
-              <a:ln>
-                <a:noFill/>
-              </a:ln>
-              <a:solidFill>
-                <a:schemeClr val="tx1">
-                  <a:tint val="75000"/>
-                </a:schemeClr>
-              </a:solidFill>
-              <a:effectLst/>
-              <a:uLnTx/>
-              <a:uFillTx/>
-              <a:latin typeface="+mn-lt"/>
-              <a:ea typeface="+mn-ea"/>
-              <a:cs typeface="+mn-cs"/>
-            </a:endParaRPr>
+            <a:fld id="{1D8BD707-D9CF-40AE-B4C6-C98DA3205C09}" type="datetimeFigureOut">
+              <a:rPr lang="en-US"/>
+            </a:fld>
+            <a:endParaRPr lang="en-US"/>
           </a:p>
         </p:txBody>
       </p:sp>
       <p:sp>
         <p:nvSpPr>
-          <p:cNvPr id="4" name="Date Placeholder 3"/>
-          <p:cNvSpPr>
-            <a:spLocks noGrp="1"/>
-          </p:cNvSpPr>
-          <p:nvPr>
-            <p:ph type="dt" sz="half" idx="11"/>
+          <p:cNvPr id="5" name="Holder 5"/>
+          <p:cNvSpPr>
+            <a:spLocks noGrp="1"/>
+          </p:cNvSpPr>
+          <p:nvPr>
+            <p:ph type="sldNum" sz="quarter" idx="7"/>
           </p:nvPr>
         </p:nvSpPr>
         <p:spPr/>
         <p:txBody>
-          <a:bodyPr/>
+          <a:bodyPr lIns="0" tIns="0" rIns="0" bIns="0"/>
+          <a:lstStyle>
+            <a:lvl1pPr algn="r">
+              <a:defRPr>
+                <a:solidFill>
+                  <a:schemeClr val="tx1">
+                    <a:tint val="75000"/>
+                  </a:schemeClr>
+                </a:solidFill>
+              </a:defRPr>
+            </a:lvl1pPr>
+          </a:lstStyle>
           <a:p>
-            <a:pPr marL="0" marR="0" lvl="0" indent="0" algn="l" defTabSz="914400" rtl="0" eaLnBrk="1" fontAlgn="auto" latinLnBrk="0" hangingPunct="1">
-              <a:lnSpc>
-                <a:spcPct val="100000"/>
-              </a:lnSpc>
-              <a:spcBef>
-                <a:spcPts val="0"/>
-              </a:spcBef>
-              <a:spcAft>
-                <a:spcPts val="0"/>
-              </a:spcAft>
-              <a:buClrTx/>
-              <a:buSzTx/>
-              <a:buFontTx/>
-              <a:buNone/>
-              <a:defRPr/>
-            </a:pPr>
-            <a:endParaRPr kumimoji="0" lang="en-US" sz="1800" b="0" i="0" u="none" strike="noStrike" kern="1200" cap="none" spc="0" normalizeH="0" baseline="0" noProof="0">
-              <a:ln>
-                <a:noFill/>
-              </a:ln>
-              <a:solidFill>
-                <a:schemeClr val="tx1">
-                  <a:tint val="75000"/>
-                </a:schemeClr>
-              </a:solidFill>
-              <a:effectLst/>
-              <a:uLnTx/>
-              <a:uFillTx/>
-              <a:latin typeface="+mn-lt"/>
-              <a:ea typeface="+mn-ea"/>
-              <a:cs typeface="+mn-cs"/>
-            </a:endParaRPr>
-          </a:p>
-        </p:txBody>
-      </p:sp>
-      <p:sp>
-        <p:nvSpPr>
-          <p:cNvPr id="5" name="Slide Number Placeholder 4"/>
-          <p:cNvSpPr>
-            <a:spLocks noGrp="1"/>
-          </p:cNvSpPr>
-          <p:nvPr>
-            <p:ph type="sldNum" sz="quarter" idx="12"/>
-          </p:nvPr>
-        </p:nvSpPr>
-        <p:spPr/>
-        <p:txBody>
-          <a:bodyPr/>
-          <a:p>
-            <a:pPr lvl="0"/>
-            <a:fld id="{9A0DB2DC-4C9A-4742-B13C-FB6460FD3503}" type="slidenum">
-              <a:rPr lang="zh-CN" altLang="x-none" dirty="0">
-                <a:latin typeface="Calibri" pitchFamily="34" charset="0"/>
-                <a:ea typeface="Arial" panose="020B0604020202090204" pitchFamily="34" charset="0"/>
-              </a:rPr>
+            <a:fld id="{B6F15528-21DE-4FAA-801E-634DDDAF4B2B}" type="slidenum">
+              <a:rPr/>
             </a:fld>
-            <a:endParaRPr lang="zh-CN" altLang="x-none" dirty="0">
-              <a:latin typeface="Calibri" pitchFamily="34" charset="0"/>
-              <a:ea typeface="Arial" panose="020B0604020202090204" pitchFamily="34" charset="0"/>
-            </a:endParaRPr>
+            <a:endParaRPr/>
           </a:p>
         </p:txBody>
       </p:sp>
@@ -1252,127 +1010,92 @@
       </p:grpSpPr>
       <p:sp>
         <p:nvSpPr>
-          <p:cNvPr id="2" name="Footer Placeholder 1"/>
-          <p:cNvSpPr>
-            <a:spLocks noGrp="1"/>
-          </p:cNvSpPr>
-          <p:nvPr>
-            <p:ph type="ftr" sz="quarter" idx="10"/>
+          <p:cNvPr id="2" name="Holder 2"/>
+          <p:cNvSpPr>
+            <a:spLocks noGrp="1"/>
+          </p:cNvSpPr>
+          <p:nvPr>
+            <p:ph type="ftr" sz="quarter" idx="5"/>
           </p:nvPr>
         </p:nvSpPr>
         <p:spPr/>
         <p:txBody>
-          <a:bodyPr/>
+          <a:bodyPr lIns="0" tIns="0" rIns="0" bIns="0"/>
+          <a:lstStyle>
+            <a:lvl1pPr algn="ctr">
+              <a:defRPr>
+                <a:solidFill>
+                  <a:schemeClr val="tx1">
+                    <a:tint val="75000"/>
+                  </a:schemeClr>
+                </a:solidFill>
+              </a:defRPr>
+            </a:lvl1pPr>
+          </a:lstStyle>
+          <a:p/>
+        </p:txBody>
+      </p:sp>
+      <p:sp>
+        <p:nvSpPr>
+          <p:cNvPr id="3" name="Holder 3"/>
+          <p:cNvSpPr>
+            <a:spLocks noGrp="1"/>
+          </p:cNvSpPr>
+          <p:nvPr>
+            <p:ph type="dt" sz="half" idx="6"/>
+          </p:nvPr>
+        </p:nvSpPr>
+        <p:spPr/>
+        <p:txBody>
+          <a:bodyPr lIns="0" tIns="0" rIns="0" bIns="0"/>
+          <a:lstStyle>
+            <a:lvl1pPr algn="l">
+              <a:defRPr>
+                <a:solidFill>
+                  <a:schemeClr val="tx1">
+                    <a:tint val="75000"/>
+                  </a:schemeClr>
+                </a:solidFill>
+              </a:defRPr>
+            </a:lvl1pPr>
+          </a:lstStyle>
           <a:p>
-            <a:pPr marL="0" marR="0" lvl="0" indent="0" algn="ctr" defTabSz="914400" rtl="0" eaLnBrk="1" fontAlgn="auto" latinLnBrk="0" hangingPunct="1">
-              <a:lnSpc>
-                <a:spcPct val="100000"/>
-              </a:lnSpc>
-              <a:spcBef>
-                <a:spcPts val="0"/>
-              </a:spcBef>
-              <a:spcAft>
-                <a:spcPts val="0"/>
-              </a:spcAft>
-              <a:buClrTx/>
-              <a:buSzTx/>
-              <a:buFontTx/>
-              <a:buNone/>
-              <a:defRPr/>
-            </a:pPr>
-            <a:endParaRPr kumimoji="0" sz="1800" b="0" i="0" u="none" strike="noStrike" kern="1200" cap="none" spc="0" normalizeH="0" baseline="0" noProof="0">
-              <a:ln>
-                <a:noFill/>
-              </a:ln>
-              <a:solidFill>
-                <a:schemeClr val="tx1">
-                  <a:tint val="75000"/>
-                </a:schemeClr>
-              </a:solidFill>
-              <a:effectLst/>
-              <a:uLnTx/>
-              <a:uFillTx/>
-              <a:latin typeface="+mn-lt"/>
-              <a:ea typeface="+mn-ea"/>
-              <a:cs typeface="+mn-cs"/>
-            </a:endParaRPr>
+            <a:fld id="{1D8BD707-D9CF-40AE-B4C6-C98DA3205C09}" type="datetimeFigureOut">
+              <a:rPr lang="en-US"/>
+            </a:fld>
+            <a:endParaRPr lang="en-US"/>
           </a:p>
         </p:txBody>
       </p:sp>
       <p:sp>
         <p:nvSpPr>
-          <p:cNvPr id="3" name="Date Placeholder 2"/>
-          <p:cNvSpPr>
-            <a:spLocks noGrp="1"/>
-          </p:cNvSpPr>
-          <p:nvPr>
-            <p:ph type="dt" sz="half" idx="11"/>
+          <p:cNvPr id="4" name="Holder 4"/>
+          <p:cNvSpPr>
+            <a:spLocks noGrp="1"/>
+          </p:cNvSpPr>
+          <p:nvPr>
+            <p:ph type="sldNum" sz="quarter" idx="7"/>
           </p:nvPr>
         </p:nvSpPr>
         <p:spPr/>
         <p:txBody>
-          <a:bodyPr/>
+          <a:bodyPr lIns="0" tIns="0" rIns="0" bIns="0"/>
+          <a:lstStyle>
+            <a:lvl1pPr algn="r">
+              <a:defRPr>
+                <a:solidFill>
+                  <a:schemeClr val="tx1">
+                    <a:tint val="75000"/>
+                  </a:schemeClr>
+                </a:solidFill>
+              </a:defRPr>
+            </a:lvl1pPr>
+          </a:lstStyle>
           <a:p>
-            <a:pPr marL="0" marR="0" lvl="0" indent="0" algn="l" defTabSz="914400" rtl="0" eaLnBrk="1" fontAlgn="auto" latinLnBrk="0" hangingPunct="1">
-              <a:lnSpc>
-                <a:spcPct val="100000"/>
-              </a:lnSpc>
-              <a:spcBef>
-                <a:spcPts val="0"/>
-              </a:spcBef>
-              <a:spcAft>
-                <a:spcPts val="0"/>
-              </a:spcAft>
-              <a:buClrTx/>
-              <a:buSzTx/>
-              <a:buFontTx/>
-              <a:buNone/>
-              <a:defRPr/>
-            </a:pPr>
-            <a:endParaRPr kumimoji="0" lang="en-US" sz="1800" b="0" i="0" u="none" strike="noStrike" kern="1200" cap="none" spc="0" normalizeH="0" baseline="0" noProof="0">
-              <a:ln>
-                <a:noFill/>
-              </a:ln>
-              <a:solidFill>
-                <a:schemeClr val="tx1">
-                  <a:tint val="75000"/>
-                </a:schemeClr>
-              </a:solidFill>
-              <a:effectLst/>
-              <a:uLnTx/>
-              <a:uFillTx/>
-              <a:latin typeface="+mn-lt"/>
-              <a:ea typeface="+mn-ea"/>
-              <a:cs typeface="+mn-cs"/>
-            </a:endParaRPr>
-          </a:p>
-        </p:txBody>
-      </p:sp>
-      <p:sp>
-        <p:nvSpPr>
-          <p:cNvPr id="4" name="Slide Number Placeholder 3"/>
-          <p:cNvSpPr>
-            <a:spLocks noGrp="1"/>
-          </p:cNvSpPr>
-          <p:nvPr>
-            <p:ph type="sldNum" sz="quarter" idx="12"/>
-          </p:nvPr>
-        </p:nvSpPr>
-        <p:spPr/>
-        <p:txBody>
-          <a:bodyPr/>
-          <a:p>
-            <a:pPr lvl="0"/>
-            <a:fld id="{9A0DB2DC-4C9A-4742-B13C-FB6460FD3503}" type="slidenum">
-              <a:rPr lang="zh-CN" altLang="x-none" dirty="0">
-                <a:latin typeface="Calibri" pitchFamily="34" charset="0"/>
-                <a:ea typeface="Arial" panose="020B0604020202090204" pitchFamily="34" charset="0"/>
-              </a:rPr>
+            <a:fld id="{B6F15528-21DE-4FAA-801E-634DDDAF4B2B}" type="slidenum">
+              <a:rPr/>
             </a:fld>
-            <a:endParaRPr lang="zh-CN" altLang="x-none" dirty="0">
-              <a:latin typeface="Calibri" pitchFamily="34" charset="0"/>
-              <a:ea typeface="Arial" panose="020B0604020202090204" pitchFamily="34" charset="0"/>
-            </a:endParaRPr>
+            <a:endParaRPr/>
           </a:p>
         </p:txBody>
       </p:sp>
@@ -1401,45 +1124,44 @@
         <p:cNvGrpSpPr/>
         <p:nvPr/>
       </p:nvGrpSpPr>
-      <p:grpSpPr/>
-      <p:sp>
-        <p:nvSpPr>
-          <p:cNvPr id="1026" name="bk object 16"/>
+      <p:grpSpPr>
+        <a:xfrm>
+          <a:off x="0" y="0"/>
+          <a:ext cx="0" cy="0"/>
+          <a:chOff x="0" y="0"/>
+          <a:chExt cx="0" cy="0"/>
+        </a:xfrm>
+      </p:grpSpPr>
+      <p:sp>
+        <p:nvSpPr>
+          <p:cNvPr id="16" name="bk object 16"/>
           <p:cNvSpPr/>
           <p:nvPr/>
         </p:nvSpPr>
         <p:spPr>
           <a:xfrm>
-            <a:off x="0" y="774700"/>
-            <a:ext cx="10691813" cy="6010275"/>
+            <a:off x="0" y="774446"/>
+            <a:ext cx="10692003" cy="6011290"/>
           </a:xfrm>
           <a:prstGeom prst="rect">
             <a:avLst/>
           </a:prstGeom>
-          <a:blipFill rotWithShape="1">
-            <a:blip r:embed="rId6"/>
+          <a:blipFill>
+            <a:blip r:embed="rId6" cstate="print"/>
             <a:stretch>
               <a:fillRect/>
             </a:stretch>
           </a:blipFill>
-          <a:ln w="9525">
-            <a:noFill/>
-          </a:ln>
         </p:spPr>
         <p:txBody>
-          <a:bodyPr lIns="0" tIns="0" rIns="0" bIns="0"/>
-          <a:p>
-            <a:pPr lvl="0"/>
-            <a:endParaRPr lang="zh-CN" altLang="x-none" dirty="0">
-              <a:latin typeface="Calibri" pitchFamily="34" charset="0"/>
-              <a:ea typeface="Arial" panose="020B0604020202090204" pitchFamily="34" charset="0"/>
-            </a:endParaRPr>
-          </a:p>
-        </p:txBody>
-      </p:sp>
-      <p:sp>
-        <p:nvSpPr>
-          <p:cNvPr id="1027" name="Holder 2"/>
+          <a:bodyPr wrap="square" lIns="0" tIns="0" rIns="0" bIns="0" rtlCol="0"/>
+          <a:lstStyle/>
+          <a:p/>
+        </p:txBody>
+      </p:sp>
+      <p:sp>
+        <p:nvSpPr>
+          <p:cNvPr id="2" name="Holder 2"/>
           <p:cNvSpPr>
             <a:spLocks noGrp="1"/>
           </p:cNvSpPr>
@@ -1449,30 +1171,28 @@
         </p:nvSpPr>
         <p:spPr>
           <a:xfrm>
-            <a:off x="534988" y="303213"/>
-            <a:ext cx="9623425" cy="1209675"/>
+            <a:off x="534670" y="302513"/>
+            <a:ext cx="9624059" cy="1210055"/>
           </a:xfrm>
           <a:prstGeom prst="rect">
             <a:avLst/>
           </a:prstGeom>
-          <a:noFill/>
-          <a:ln w="9525">
-            <a:noFill/>
-          </a:ln>
         </p:spPr>
         <p:txBody>
-          <a:bodyPr lIns="0" tIns="0" rIns="0" bIns="0">
+          <a:bodyPr wrap="square" lIns="0" tIns="0" rIns="0" bIns="0">
             <a:spAutoFit/>
           </a:bodyPr>
-          <a:p>
-            <a:pPr lvl="0"/>
-            <a:endParaRPr lang="zh-CN" altLang="x-none" dirty="0"/>
-          </a:p>
-        </p:txBody>
-      </p:sp>
-      <p:sp>
-        <p:nvSpPr>
-          <p:cNvPr id="1028" name="Holder 3"/>
+          <a:lstStyle>
+            <a:lvl1pPr>
+              <a:defRPr/>
+            </a:lvl1pPr>
+          </a:lstStyle>
+          <a:p/>
+        </p:txBody>
+      </p:sp>
+      <p:sp>
+        <p:nvSpPr>
+          <p:cNvPr id="3" name="Holder 3"/>
           <p:cNvSpPr>
             <a:spLocks noGrp="1"/>
           </p:cNvSpPr>
@@ -1482,25 +1202,23 @@
         </p:nvSpPr>
         <p:spPr>
           <a:xfrm>
-            <a:off x="534988" y="1739900"/>
-            <a:ext cx="9623425" cy="4991100"/>
+            <a:off x="534670" y="1739455"/>
+            <a:ext cx="9624059" cy="4991481"/>
           </a:xfrm>
           <a:prstGeom prst="rect">
             <a:avLst/>
           </a:prstGeom>
-          <a:noFill/>
-          <a:ln w="9525">
-            <a:noFill/>
-          </a:ln>
         </p:spPr>
         <p:txBody>
-          <a:bodyPr lIns="0" tIns="0" rIns="0" bIns="0">
+          <a:bodyPr wrap="square" lIns="0" tIns="0" rIns="0" bIns="0">
             <a:spAutoFit/>
           </a:bodyPr>
-          <a:p>
-            <a:pPr lvl="0"/>
-            <a:endParaRPr lang="zh-CN" altLang="x-none" dirty="0"/>
-          </a:p>
+          <a:lstStyle>
+            <a:lvl1pPr>
+              <a:defRPr/>
+            </a:lvl1pPr>
+          </a:lstStyle>
+          <a:p/>
         </p:txBody>
       </p:sp>
       <p:sp>
@@ -1515,8 +1233,8 @@
         </p:nvSpPr>
         <p:spPr>
           <a:xfrm>
-            <a:off x="3635375" y="7034213"/>
-            <a:ext cx="3422650" cy="377825"/>
+            <a:off x="3635756" y="7033450"/>
+            <a:ext cx="3421887" cy="378142"/>
           </a:xfrm>
           <a:prstGeom prst="rect">
             <a:avLst/>
@@ -1537,40 +1255,7 @@
               </a:defRPr>
             </a:lvl1pPr>
           </a:lstStyle>
-          <a:p>
-            <a:pPr marL="0" marR="0" lvl="0" indent="0" algn="ctr" defTabSz="914400" rtl="0" eaLnBrk="1" fontAlgn="auto" latinLnBrk="0" hangingPunct="1">
-              <a:lnSpc>
-                <a:spcPct val="100000"/>
-              </a:lnSpc>
-              <a:spcBef>
-                <a:spcPts val="0"/>
-              </a:spcBef>
-              <a:spcAft>
-                <a:spcPts val="0"/>
-              </a:spcAft>
-              <a:buClrTx/>
-              <a:buSzTx/>
-              <a:buFontTx/>
-              <a:buNone/>
-              <a:defRPr/>
-            </a:pPr>
-            <a:endParaRPr kumimoji="0" sz="1800" b="0" i="0" u="none" strike="noStrike" kern="1200" cap="none" spc="0" normalizeH="0" baseline="0" noProof="0">
-              <a:ln>
-                <a:noFill/>
-              </a:ln>
-              <a:solidFill>
-                <a:schemeClr val="tx1">
-                  <a:tint val="75000"/>
-                </a:schemeClr>
-              </a:solidFill>
-              <a:effectLst/>
-              <a:uLnTx/>
-              <a:uFillTx/>
-              <a:latin typeface="+mn-lt"/>
-              <a:ea typeface="+mn-ea"/>
-              <a:cs typeface="+mn-cs"/>
-            </a:endParaRPr>
-          </a:p>
+          <a:p/>
         </p:txBody>
       </p:sp>
       <p:sp>
@@ -1585,8 +1270,8 @@
         </p:nvSpPr>
         <p:spPr>
           <a:xfrm>
-            <a:off x="534988" y="7034213"/>
-            <a:ext cx="2459038" cy="377825"/>
+            <a:off x="534670" y="7033450"/>
+            <a:ext cx="2459482" cy="378142"/>
           </a:xfrm>
           <a:prstGeom prst="rect">
             <a:avLst/>
@@ -1608,38 +1293,10 @@
             </a:lvl1pPr>
           </a:lstStyle>
           <a:p>
-            <a:pPr marL="0" marR="0" lvl="0" indent="0" algn="l" defTabSz="914400" rtl="0" eaLnBrk="1" fontAlgn="auto" latinLnBrk="0" hangingPunct="1">
-              <a:lnSpc>
-                <a:spcPct val="100000"/>
-              </a:lnSpc>
-              <a:spcBef>
-                <a:spcPts val="0"/>
-              </a:spcBef>
-              <a:spcAft>
-                <a:spcPts val="0"/>
-              </a:spcAft>
-              <a:buClrTx/>
-              <a:buSzTx/>
-              <a:buFontTx/>
-              <a:buNone/>
-              <a:defRPr/>
-            </a:pPr>
-            <a:endParaRPr kumimoji="0" lang="en-US" sz="1800" b="0" i="0" u="none" strike="noStrike" kern="1200" cap="none" spc="0" normalizeH="0" baseline="0" noProof="0">
-              <a:ln>
-                <a:noFill/>
-              </a:ln>
-              <a:solidFill>
-                <a:schemeClr val="tx1">
-                  <a:tint val="75000"/>
-                </a:schemeClr>
-              </a:solidFill>
-              <a:effectLst/>
-              <a:uLnTx/>
-              <a:uFillTx/>
-              <a:latin typeface="+mn-lt"/>
-              <a:ea typeface="+mn-ea"/>
-              <a:cs typeface="+mn-cs"/>
-            </a:endParaRPr>
+            <a:fld id="{1D8BD707-D9CF-40AE-B4C6-C98DA3205C09}" type="datetimeFigureOut">
+              <a:rPr lang="en-US"/>
+            </a:fld>
+            <a:endParaRPr lang="en-US"/>
           </a:p>
         </p:txBody>
       </p:sp>
@@ -1655,8 +1312,8 @@
         </p:nvSpPr>
         <p:spPr>
           <a:xfrm>
-            <a:off x="7699375" y="7034213"/>
-            <a:ext cx="2459038" cy="377825"/>
+            <a:off x="7699248" y="7033450"/>
+            <a:ext cx="2459482" cy="378142"/>
           </a:xfrm>
           <a:prstGeom prst="rect">
             <a:avLst/>
@@ -1670,23 +1327,18 @@
             <a:lvl1pPr algn="r">
               <a:defRPr>
                 <a:solidFill>
-                  <a:srgbClr val="898989"/>
+                  <a:schemeClr val="tx1">
+                    <a:tint val="75000"/>
+                  </a:schemeClr>
                 </a:solidFill>
               </a:defRPr>
             </a:lvl1pPr>
           </a:lstStyle>
           <a:p>
-            <a:pPr lvl="0"/>
-            <a:fld id="{9A0DB2DC-4C9A-4742-B13C-FB6460FD3503}" type="slidenum">
-              <a:rPr lang="zh-CN" altLang="x-none" dirty="0">
-                <a:latin typeface="Calibri" pitchFamily="34" charset="0"/>
-                <a:ea typeface="Arial" panose="020B0604020202090204" pitchFamily="34" charset="0"/>
-              </a:rPr>
+            <a:fld id="{B6F15528-21DE-4FAA-801E-634DDDAF4B2B}" type="slidenum">
+              <a:rPr/>
             </a:fld>
-            <a:endParaRPr lang="zh-CN" altLang="x-none" dirty="0">
-              <a:latin typeface="Calibri" pitchFamily="34" charset="0"/>
-              <a:ea typeface="Arial" panose="020B0604020202090204" pitchFamily="34" charset="0"/>
-            </a:endParaRPr>
+            <a:endParaRPr/>
           </a:p>
         </p:txBody>
       </p:sp>
@@ -1700,7 +1352,6 @@
     <p:sldLayoutId id="2147483652" r:id="rId4"/>
     <p:sldLayoutId id="2147483653" r:id="rId5"/>
   </p:sldLayoutIdLst>
-  <p:hf sldNum="0" hdr="0" ftr="0" dt="0"/>
   <p:txStyles>
     <p:titleStyle>
       <a:lvl1pPr>
@@ -1854,39 +1505,39 @@
         <p:cNvGrpSpPr/>
         <p:nvPr/>
       </p:nvGrpSpPr>
-      <p:grpSpPr/>
-      <p:sp>
-        <p:nvSpPr>
-          <p:cNvPr id="2050" name="object 2"/>
+      <p:grpSpPr>
+        <a:xfrm>
+          <a:off x="0" y="0"/>
+          <a:ext cx="0" cy="0"/>
+          <a:chOff x="0" y="0"/>
+          <a:chExt cx="0" cy="0"/>
+        </a:xfrm>
+      </p:grpSpPr>
+      <p:sp>
+        <p:nvSpPr>
+          <p:cNvPr id="2" name="object 2"/>
           <p:cNvSpPr/>
           <p:nvPr/>
         </p:nvSpPr>
         <p:spPr>
           <a:xfrm>
-            <a:off x="0" y="774700"/>
-            <a:ext cx="10691813" cy="6010275"/>
+            <a:off x="0" y="774446"/>
+            <a:ext cx="10692003" cy="6011290"/>
           </a:xfrm>
           <a:prstGeom prst="rect">
             <a:avLst/>
           </a:prstGeom>
-          <a:blipFill rotWithShape="1">
-            <a:blip r:embed="rId1"/>
+          <a:blipFill>
+            <a:blip r:embed="rId1" cstate="print"/>
             <a:stretch>
               <a:fillRect/>
             </a:stretch>
           </a:blipFill>
-          <a:ln w="9525">
-            <a:noFill/>
-          </a:ln>
         </p:spPr>
         <p:txBody>
-          <a:bodyPr lIns="0" tIns="0" rIns="0" bIns="0"/>
-          <a:p>
-            <a:endParaRPr lang="zh-CN" altLang="x-none" dirty="0">
-              <a:latin typeface="Calibri" pitchFamily="34" charset="0"/>
-              <a:ea typeface="Arial" panose="020B0604020202090204" pitchFamily="34" charset="0"/>
-            </a:endParaRPr>
-          </a:p>
+          <a:bodyPr wrap="square" lIns="0" tIns="0" rIns="0" bIns="0" rtlCol="0"/>
+          <a:lstStyle/>
+          <a:p/>
         </p:txBody>
       </p:sp>
     </p:spTree>
@@ -1906,7 +1557,14 @@
         <p:cNvGrpSpPr/>
         <p:nvPr/>
       </p:nvGrpSpPr>
-      <p:grpSpPr/>
+      <p:grpSpPr>
+        <a:xfrm>
+          <a:off x="0" y="0"/>
+          <a:ext cx="0" cy="0"/>
+          <a:chOff x="0" y="0"/>
+          <a:chExt cx="0" cy="0"/>
+        </a:xfrm>
+      </p:grpSpPr>
     </p:spTree>
   </p:cSld>
   <p:clrMapOvr>
